--- a/meetings/week 24  Meeting.pptx
+++ b/meetings/week 24  Meeting.pptx
@@ -5,7 +5,7 @@
     <p:sldMasterId id="2147483712" r:id="rId1"/>
   </p:sldMasterIdLst>
   <p:notesMasterIdLst>
-    <p:notesMasterId r:id="rId13"/>
+    <p:notesMasterId r:id="rId14"/>
   </p:notesMasterIdLst>
   <p:sldIdLst>
     <p:sldId id="256" r:id="rId2"/>
@@ -19,6 +19,7 @@
     <p:sldId id="264" r:id="rId10"/>
     <p:sldId id="263" r:id="rId11"/>
     <p:sldId id="261" r:id="rId12"/>
+    <p:sldId id="495" r:id="rId13"/>
   </p:sldIdLst>
   <p:sldSz cx="12192000" cy="6858000"/>
   <p:notesSz cx="6858000" cy="9144000"/>
@@ -128,7 +129,7 @@
 <file path=ppt/revisionInfo.xml><?xml version="1.0" encoding="utf-8"?>
 <p1510:revInfo xmlns:a="http://schemas.openxmlformats.org/drawingml/2006/main" xmlns:r="http://schemas.openxmlformats.org/officeDocument/2006/relationships" xmlns:p1510="http://schemas.microsoft.com/office/powerpoint/2015/10/main">
   <p1510:revLst>
-    <p1510:client id="{1544DD99-42C9-4FC5-9565-C8F41EFD895A}" v="4" dt="2022-04-04T10:46:24.980"/>
+    <p1510:client id="{1544DD99-42C9-4FC5-9565-C8F41EFD895A}" v="5" dt="2022-04-08T01:47:14.893"/>
   </p1510:revLst>
 </p1510:revInfo>
 </file>
@@ -138,7 +139,7 @@
   <pc:docChgLst>
     <pc:chgData name="toby lee" userId="c2b0b406bfa6151f" providerId="LiveId" clId="{1544DD99-42C9-4FC5-9565-C8F41EFD895A}"/>
     <pc:docChg chg="undo redo custSel addSld delSld modSld sldOrd">
-      <pc:chgData name="toby lee" userId="c2b0b406bfa6151f" providerId="LiveId" clId="{1544DD99-42C9-4FC5-9565-C8F41EFD895A}" dt="2022-04-04T10:47:39.693" v="940" actId="20577"/>
+      <pc:chgData name="toby lee" userId="c2b0b406bfa6151f" providerId="LiveId" clId="{1544DD99-42C9-4FC5-9565-C8F41EFD895A}" dt="2022-04-08T02:09:23.236" v="994" actId="478"/>
       <pc:docMkLst>
         <pc:docMk/>
       </pc:docMkLst>
@@ -600,7 +601,7 @@
         </pc:sldMkLst>
       </pc:sldChg>
       <pc:sldChg chg="add modNotesTx">
-        <pc:chgData name="toby lee" userId="c2b0b406bfa6151f" providerId="LiveId" clId="{1544DD99-42C9-4FC5-9565-C8F41EFD895A}" dt="2022-04-04T10:45:30.058" v="882" actId="20577"/>
+        <pc:chgData name="toby lee" userId="c2b0b406bfa6151f" providerId="LiveId" clId="{1544DD99-42C9-4FC5-9565-C8F41EFD895A}" dt="2022-04-08T00:01:13.556" v="947" actId="20577"/>
         <pc:sldMkLst>
           <pc:docMk/>
           <pc:sldMk cId="387908632" sldId="493"/>
@@ -627,6 +628,165 @@
           <pc:docMk/>
           <pc:sldMk cId="3492520262" sldId="494"/>
         </pc:sldMkLst>
+      </pc:sldChg>
+      <pc:sldChg chg="addSp delSp modSp new mod">
+        <pc:chgData name="toby lee" userId="c2b0b406bfa6151f" providerId="LiveId" clId="{1544DD99-42C9-4FC5-9565-C8F41EFD895A}" dt="2022-04-08T02:09:23.236" v="994" actId="478"/>
+        <pc:sldMkLst>
+          <pc:docMk/>
+          <pc:sldMk cId="932678212" sldId="495"/>
+        </pc:sldMkLst>
+        <pc:spChg chg="del">
+          <ac:chgData name="toby lee" userId="c2b0b406bfa6151f" providerId="LiveId" clId="{1544DD99-42C9-4FC5-9565-C8F41EFD895A}" dt="2022-04-08T01:47:28.907" v="988" actId="478"/>
+          <ac:spMkLst>
+            <pc:docMk/>
+            <pc:sldMk cId="932678212" sldId="495"/>
+            <ac:spMk id="2" creationId="{0BCEC029-72F1-449C-812C-54E6288D07E2}"/>
+          </ac:spMkLst>
+        </pc:spChg>
+        <pc:spChg chg="del">
+          <ac:chgData name="toby lee" userId="c2b0b406bfa6151f" providerId="LiveId" clId="{1544DD99-42C9-4FC5-9565-C8F41EFD895A}" dt="2022-04-08T01:47:14.892" v="949" actId="931"/>
+          <ac:spMkLst>
+            <pc:docMk/>
+            <pc:sldMk cId="932678212" sldId="495"/>
+            <ac:spMk id="3" creationId="{8A4B39FA-B92D-4C5D-AEBE-5DD218BF39CA}"/>
+          </ac:spMkLst>
+        </pc:spChg>
+        <pc:spChg chg="add mod">
+          <ac:chgData name="toby lee" userId="c2b0b406bfa6151f" providerId="LiveId" clId="{1544DD99-42C9-4FC5-9565-C8F41EFD895A}" dt="2022-04-08T02:09:23.236" v="994" actId="478"/>
+          <ac:spMkLst>
+            <pc:docMk/>
+            <pc:sldMk cId="932678212" sldId="495"/>
+            <ac:spMk id="37" creationId="{D5239364-F850-4C46-9DBF-45B933D2D753}"/>
+          </ac:spMkLst>
+        </pc:spChg>
+        <pc:picChg chg="add del mod">
+          <ac:chgData name="toby lee" userId="c2b0b406bfa6151f" providerId="LiveId" clId="{1544DD99-42C9-4FC5-9565-C8F41EFD895A}" dt="2022-04-08T02:09:23.236" v="994" actId="478"/>
+          <ac:picMkLst>
+            <pc:docMk/>
+            <pc:sldMk cId="932678212" sldId="495"/>
+            <ac:picMk id="5" creationId="{25D8FFCC-82EE-4387-A179-EDB1CC812A1C}"/>
+          </ac:picMkLst>
+        </pc:picChg>
+        <pc:picChg chg="add del mod">
+          <ac:chgData name="toby lee" userId="c2b0b406bfa6151f" providerId="LiveId" clId="{1544DD99-42C9-4FC5-9565-C8F41EFD895A}" dt="2022-04-08T02:09:23.236" v="994" actId="478"/>
+          <ac:picMkLst>
+            <pc:docMk/>
+            <pc:sldMk cId="932678212" sldId="495"/>
+            <ac:picMk id="7" creationId="{AB53C385-9F02-4C50-9590-2C46AF2B4FA1}"/>
+          </ac:picMkLst>
+        </pc:picChg>
+        <pc:picChg chg="add del mod">
+          <ac:chgData name="toby lee" userId="c2b0b406bfa6151f" providerId="LiveId" clId="{1544DD99-42C9-4FC5-9565-C8F41EFD895A}" dt="2022-04-08T02:09:23.236" v="994" actId="478"/>
+          <ac:picMkLst>
+            <pc:docMk/>
+            <pc:sldMk cId="932678212" sldId="495"/>
+            <ac:picMk id="9" creationId="{0321EDFC-C134-44FE-85C4-AF1DF5A82A4D}"/>
+          </ac:picMkLst>
+        </pc:picChg>
+        <pc:picChg chg="add del mod">
+          <ac:chgData name="toby lee" userId="c2b0b406bfa6151f" providerId="LiveId" clId="{1544DD99-42C9-4FC5-9565-C8F41EFD895A}" dt="2022-04-08T02:09:23.236" v="994" actId="478"/>
+          <ac:picMkLst>
+            <pc:docMk/>
+            <pc:sldMk cId="932678212" sldId="495"/>
+            <ac:picMk id="11" creationId="{6E3A3246-C13C-4734-90D3-5F42FD0B660F}"/>
+          </ac:picMkLst>
+        </pc:picChg>
+        <pc:picChg chg="add del mod">
+          <ac:chgData name="toby lee" userId="c2b0b406bfa6151f" providerId="LiveId" clId="{1544DD99-42C9-4FC5-9565-C8F41EFD895A}" dt="2022-04-08T02:09:23.236" v="994" actId="478"/>
+          <ac:picMkLst>
+            <pc:docMk/>
+            <pc:sldMk cId="932678212" sldId="495"/>
+            <ac:picMk id="13" creationId="{5FF11204-8915-4E74-AC53-C6A960F6379B}"/>
+          </ac:picMkLst>
+        </pc:picChg>
+        <pc:picChg chg="add del mod">
+          <ac:chgData name="toby lee" userId="c2b0b406bfa6151f" providerId="LiveId" clId="{1544DD99-42C9-4FC5-9565-C8F41EFD895A}" dt="2022-04-08T02:09:23.236" v="994" actId="478"/>
+          <ac:picMkLst>
+            <pc:docMk/>
+            <pc:sldMk cId="932678212" sldId="495"/>
+            <ac:picMk id="15" creationId="{47C27EE9-E5E7-489E-919C-78ABE82D06E0}"/>
+          </ac:picMkLst>
+        </pc:picChg>
+        <pc:picChg chg="add del mod">
+          <ac:chgData name="toby lee" userId="c2b0b406bfa6151f" providerId="LiveId" clId="{1544DD99-42C9-4FC5-9565-C8F41EFD895A}" dt="2022-04-08T02:09:23.236" v="994" actId="478"/>
+          <ac:picMkLst>
+            <pc:docMk/>
+            <pc:sldMk cId="932678212" sldId="495"/>
+            <ac:picMk id="17" creationId="{D2E3B9FF-8393-4FE6-860B-B4C35FB3EAB5}"/>
+          </ac:picMkLst>
+        </pc:picChg>
+        <pc:picChg chg="add del mod">
+          <ac:chgData name="toby lee" userId="c2b0b406bfa6151f" providerId="LiveId" clId="{1544DD99-42C9-4FC5-9565-C8F41EFD895A}" dt="2022-04-08T02:09:23.236" v="994" actId="478"/>
+          <ac:picMkLst>
+            <pc:docMk/>
+            <pc:sldMk cId="932678212" sldId="495"/>
+            <ac:picMk id="19" creationId="{B2354C23-5AC0-4EBC-B154-B0B355DFBD48}"/>
+          </ac:picMkLst>
+        </pc:picChg>
+        <pc:picChg chg="add del mod">
+          <ac:chgData name="toby lee" userId="c2b0b406bfa6151f" providerId="LiveId" clId="{1544DD99-42C9-4FC5-9565-C8F41EFD895A}" dt="2022-04-08T02:09:23.236" v="994" actId="478"/>
+          <ac:picMkLst>
+            <pc:docMk/>
+            <pc:sldMk cId="932678212" sldId="495"/>
+            <ac:picMk id="21" creationId="{7A41A233-7FA5-491D-8620-BE9A5F3AF9AB}"/>
+          </ac:picMkLst>
+        </pc:picChg>
+        <pc:picChg chg="add del mod">
+          <ac:chgData name="toby lee" userId="c2b0b406bfa6151f" providerId="LiveId" clId="{1544DD99-42C9-4FC5-9565-C8F41EFD895A}" dt="2022-04-08T02:09:23.236" v="994" actId="478"/>
+          <ac:picMkLst>
+            <pc:docMk/>
+            <pc:sldMk cId="932678212" sldId="495"/>
+            <ac:picMk id="23" creationId="{66047EDB-E334-406E-A946-A5057CF7848E}"/>
+          </ac:picMkLst>
+        </pc:picChg>
+        <pc:picChg chg="add del mod">
+          <ac:chgData name="toby lee" userId="c2b0b406bfa6151f" providerId="LiveId" clId="{1544DD99-42C9-4FC5-9565-C8F41EFD895A}" dt="2022-04-08T02:09:23.236" v="994" actId="478"/>
+          <ac:picMkLst>
+            <pc:docMk/>
+            <pc:sldMk cId="932678212" sldId="495"/>
+            <ac:picMk id="25" creationId="{8D1E5727-59B0-4928-88EC-A23F635C7B1F}"/>
+          </ac:picMkLst>
+        </pc:picChg>
+        <pc:picChg chg="add del mod">
+          <ac:chgData name="toby lee" userId="c2b0b406bfa6151f" providerId="LiveId" clId="{1544DD99-42C9-4FC5-9565-C8F41EFD895A}" dt="2022-04-08T02:09:23.236" v="994" actId="478"/>
+          <ac:picMkLst>
+            <pc:docMk/>
+            <pc:sldMk cId="932678212" sldId="495"/>
+            <ac:picMk id="27" creationId="{0B5F31A0-B1F4-416E-BC33-12FAE2904D0C}"/>
+          </ac:picMkLst>
+        </pc:picChg>
+        <pc:picChg chg="add del mod">
+          <ac:chgData name="toby lee" userId="c2b0b406bfa6151f" providerId="LiveId" clId="{1544DD99-42C9-4FC5-9565-C8F41EFD895A}" dt="2022-04-08T02:09:23.236" v="994" actId="478"/>
+          <ac:picMkLst>
+            <pc:docMk/>
+            <pc:sldMk cId="932678212" sldId="495"/>
+            <ac:picMk id="29" creationId="{336182B4-E219-4AAF-B553-CB776C6CB4C6}"/>
+          </ac:picMkLst>
+        </pc:picChg>
+        <pc:picChg chg="add del mod">
+          <ac:chgData name="toby lee" userId="c2b0b406bfa6151f" providerId="LiveId" clId="{1544DD99-42C9-4FC5-9565-C8F41EFD895A}" dt="2022-04-08T02:09:23.236" v="994" actId="478"/>
+          <ac:picMkLst>
+            <pc:docMk/>
+            <pc:sldMk cId="932678212" sldId="495"/>
+            <ac:picMk id="31" creationId="{B119D74C-EF02-466D-A2EC-075253B397D1}"/>
+          </ac:picMkLst>
+        </pc:picChg>
+        <pc:picChg chg="add del mod">
+          <ac:chgData name="toby lee" userId="c2b0b406bfa6151f" providerId="LiveId" clId="{1544DD99-42C9-4FC5-9565-C8F41EFD895A}" dt="2022-04-08T02:09:23.236" v="994" actId="478"/>
+          <ac:picMkLst>
+            <pc:docMk/>
+            <pc:sldMk cId="932678212" sldId="495"/>
+            <ac:picMk id="33" creationId="{B675B55D-B41F-4E46-AE04-E37247E889A6}"/>
+          </ac:picMkLst>
+        </pc:picChg>
+        <pc:picChg chg="add del mod">
+          <ac:chgData name="toby lee" userId="c2b0b406bfa6151f" providerId="LiveId" clId="{1544DD99-42C9-4FC5-9565-C8F41EFD895A}" dt="2022-04-08T02:09:23.236" v="994" actId="478"/>
+          <ac:picMkLst>
+            <pc:docMk/>
+            <pc:sldMk cId="932678212" sldId="495"/>
+            <ac:picMk id="35" creationId="{0AFBE6F9-E90B-4710-BBAC-A666905AF86D}"/>
+          </ac:picMkLst>
+        </pc:picChg>
       </pc:sldChg>
     </pc:docChg>
   </pc:docChgLst>
@@ -715,7 +875,7 @@
           <a:p>
             <a:fld id="{74C09B2C-6D22-482F-A730-574A9977E76E}" type="datetimeFigureOut">
               <a:rPr lang="en-GB" smtClean="0"/>
-              <a:t>04/04/2022</a:t>
+              <a:t>07/04/2022</a:t>
             </a:fld>
             <a:endParaRPr lang="en-GB"/>
           </a:p>
@@ -2079,7 +2239,7 @@
           <a:p>
             <a:fld id="{ED291B17-9318-49DB-B28B-6E5994AE9581}" type="datetime1">
               <a:rPr lang="en-US" smtClean="0"/>
-              <a:t>4/4/2022</a:t>
+              <a:t>4/7/2022</a:t>
             </a:fld>
             <a:endParaRPr lang="en-US" dirty="0"/>
           </a:p>
@@ -2282,7 +2442,7 @@
           <a:p>
             <a:fld id="{2CED4963-E985-44C4-B8C4-FDD613B7C2F8}" type="datetime1">
               <a:rPr lang="en-US" smtClean="0"/>
-              <a:t>4/4/2022</a:t>
+              <a:t>4/7/2022</a:t>
             </a:fld>
             <a:endParaRPr lang="en-US" dirty="0"/>
           </a:p>
@@ -2644,7 +2804,7 @@
           <a:p>
             <a:fld id="{ED291B17-9318-49DB-B28B-6E5994AE9581}" type="datetime1">
               <a:rPr lang="en-US" smtClean="0"/>
-              <a:t>4/4/2022</a:t>
+              <a:t>4/7/2022</a:t>
             </a:fld>
             <a:endParaRPr lang="en-US" dirty="0"/>
           </a:p>
@@ -3026,7 +3186,7 @@
           <a:p>
             <a:fld id="{78DD82B9-B8EE-4375-B6FF-88FA6ABB15D9}" type="datetime1">
               <a:rPr lang="en-US" smtClean="0"/>
-              <a:t>4/4/2022</a:t>
+              <a:t>4/7/2022</a:t>
             </a:fld>
             <a:endParaRPr lang="en-US" dirty="0"/>
           </a:p>
@@ -3338,7 +3498,7 @@
           <a:p>
             <a:fld id="{B2497495-0637-405E-AE64-5CC7506D51F5}" type="datetime1">
               <a:rPr lang="en-US" smtClean="0"/>
-              <a:t>4/4/2022</a:t>
+              <a:t>4/7/2022</a:t>
             </a:fld>
             <a:endParaRPr lang="en-US" dirty="0"/>
           </a:p>
@@ -3591,7 +3751,7 @@
           <a:p>
             <a:fld id="{7BFFD690-9426-415D-8B65-26881E07B2D4}" type="datetime1">
               <a:rPr lang="en-US" smtClean="0"/>
-              <a:t>4/4/2022</a:t>
+              <a:t>4/7/2022</a:t>
             </a:fld>
             <a:endParaRPr lang="en-US" dirty="0"/>
           </a:p>
@@ -4013,7 +4173,7 @@
           <a:p>
             <a:fld id="{04C4989A-474C-40DE-95B9-011C28B71673}" type="datetime1">
               <a:rPr lang="en-US" smtClean="0"/>
-              <a:t>4/4/2022</a:t>
+              <a:t>4/7/2022</a:t>
             </a:fld>
             <a:endParaRPr lang="en-US" dirty="0"/>
           </a:p>
@@ -4136,7 +4296,7 @@
           <a:p>
             <a:fld id="{5DB4ED54-5B5E-4A04-93D3-5772E3CE3818}" type="datetime1">
               <a:rPr lang="en-US" smtClean="0"/>
-              <a:t>4/4/2022</a:t>
+              <a:t>4/7/2022</a:t>
             </a:fld>
             <a:endParaRPr lang="en-US" dirty="0"/>
           </a:p>
@@ -4231,7 +4391,7 @@
           <a:p>
             <a:fld id="{4EDE50D6-574B-40AF-946F-D52A04ADE379}" type="datetime1">
               <a:rPr lang="en-US" smtClean="0"/>
-              <a:t>4/4/2022</a:t>
+              <a:t>4/7/2022</a:t>
             </a:fld>
             <a:endParaRPr lang="en-US" dirty="0"/>
           </a:p>
@@ -4608,7 +4768,7 @@
           <a:p>
             <a:fld id="{D82884F1-FFEA-405F-9602-3DCA865EDA4E}" type="datetime1">
               <a:rPr lang="en-US" smtClean="0"/>
-              <a:t>4/4/2022</a:t>
+              <a:t>4/7/2022</a:t>
             </a:fld>
             <a:endParaRPr lang="en-US" dirty="0"/>
           </a:p>
@@ -4901,7 +5061,7 @@
           <a:p>
             <a:fld id="{7E18DB4A-8810-4A10-AD5C-D5E2C667F5B3}" type="datetime1">
               <a:rPr lang="en-US" smtClean="0"/>
-              <a:t>4/4/2022</a:t>
+              <a:t>4/7/2022</a:t>
             </a:fld>
             <a:endParaRPr lang="en-US" dirty="0"/>
           </a:p>
@@ -5116,7 +5276,7 @@
           <a:p>
             <a:fld id="{ED291B17-9318-49DB-B28B-6E5994AE9581}" type="datetime1">
               <a:rPr lang="en-US" smtClean="0"/>
-              <a:t>4/4/2022</a:t>
+              <a:t>4/7/2022</a:t>
             </a:fld>
             <a:endParaRPr lang="en-US" dirty="0"/>
           </a:p>
@@ -6655,6 +6815,61 @@
     <p:extLst>
       <p:ext uri="{BB962C8B-B14F-4D97-AF65-F5344CB8AC3E}">
         <p14:creationId xmlns:p14="http://schemas.microsoft.com/office/powerpoint/2010/main" val="3979852217"/>
+      </p:ext>
+    </p:extLst>
+  </p:cSld>
+  <p:clrMapOvr>
+    <a:masterClrMapping/>
+  </p:clrMapOvr>
+</p:sld>
+</file>
+
+<file path=ppt/slides/slide12.xml><?xml version="1.0" encoding="utf-8"?>
+<p:sld xmlns:a="http://schemas.openxmlformats.org/drawingml/2006/main" xmlns:r="http://schemas.openxmlformats.org/officeDocument/2006/relationships" xmlns:p="http://schemas.openxmlformats.org/presentationml/2006/main">
+  <p:cSld>
+    <p:spTree>
+      <p:nvGrpSpPr>
+        <p:cNvPr id="1" name=""/>
+        <p:cNvGrpSpPr/>
+        <p:nvPr/>
+      </p:nvGrpSpPr>
+      <p:grpSpPr>
+        <a:xfrm>
+          <a:off x="0" y="0"/>
+          <a:ext cx="0" cy="0"/>
+          <a:chOff x="0" y="0"/>
+          <a:chExt cx="0" cy="0"/>
+        </a:xfrm>
+      </p:grpSpPr>
+      <p:sp>
+        <p:nvSpPr>
+          <p:cNvPr id="37" name="Content Placeholder 36">
+            <a:extLst>
+              <a:ext uri="{FF2B5EF4-FFF2-40B4-BE49-F238E27FC236}">
+                <a16:creationId xmlns:a16="http://schemas.microsoft.com/office/drawing/2014/main" id="{D5239364-F850-4C46-9DBF-45B933D2D753}"/>
+              </a:ext>
+            </a:extLst>
+          </p:cNvPr>
+          <p:cNvSpPr>
+            <a:spLocks noGrp="1"/>
+          </p:cNvSpPr>
+          <p:nvPr>
+            <p:ph idx="1"/>
+          </p:nvPr>
+        </p:nvSpPr>
+        <p:spPr/>
+        <p:txBody>
+          <a:bodyPr/>
+          <a:lstStyle/>
+          <a:p>
+            <a:endParaRPr lang="en-GB"/>
+          </a:p>
+        </p:txBody>
+      </p:sp>
+    </p:spTree>
+    <p:extLst>
+      <p:ext uri="{BB962C8B-B14F-4D97-AF65-F5344CB8AC3E}">
+        <p14:creationId xmlns:p14="http://schemas.microsoft.com/office/powerpoint/2010/main" val="932678212"/>
       </p:ext>
     </p:extLst>
   </p:cSld>
